--- a/Day 6/Slides/6. Working with Data from a PreparedStatement/working-with-data-from-a-prepared-statement-slides.pptx
+++ b/Day 6/Slides/6. Working with Data from a PreparedStatement/working-with-data-from-a-prepared-statement-slides.pptx
@@ -3,38 +3,38 @@
 <p:presentation xmlns:a="http://schemas.openxmlformats.org/drawingml/2006/main" xmlns:r="http://schemas.openxmlformats.org/officeDocument/2006/relationships" xmlns:p="http://schemas.openxmlformats.org/presentationml/2006/main">
   <p:sldMasterIdLst>
     <p:sldMasterId id="2147483648" r:id="rId1"/>
-    <p:sldMasterId id="2147483654" r:id="rId3"/>
+    <p:sldMasterId id="2147483654" r:id="rId2"/>
   </p:sldMasterIdLst>
   <p:notesMasterIdLst>
-    <p:notesMasterId r:id="rId30"/>
+    <p:notesMasterId r:id="rId29"/>
   </p:notesMasterIdLst>
   <p:sldIdLst>
-    <p:sldId id="256" r:id="rId4"/>
-    <p:sldId id="257" r:id="rId5"/>
-    <p:sldId id="258" r:id="rId6"/>
-    <p:sldId id="259" r:id="rId7"/>
-    <p:sldId id="260" r:id="rId8"/>
-    <p:sldId id="261" r:id="rId9"/>
-    <p:sldId id="262" r:id="rId10"/>
-    <p:sldId id="263" r:id="rId11"/>
-    <p:sldId id="264" r:id="rId12"/>
-    <p:sldId id="265" r:id="rId13"/>
-    <p:sldId id="266" r:id="rId14"/>
-    <p:sldId id="267" r:id="rId15"/>
-    <p:sldId id="268" r:id="rId16"/>
-    <p:sldId id="269" r:id="rId17"/>
-    <p:sldId id="270" r:id="rId18"/>
-    <p:sldId id="279" r:id="rId19"/>
-    <p:sldId id="271" r:id="rId20"/>
-    <p:sldId id="272" r:id="rId21"/>
-    <p:sldId id="280" r:id="rId22"/>
-    <p:sldId id="273" r:id="rId23"/>
-    <p:sldId id="274" r:id="rId24"/>
-    <p:sldId id="275" r:id="rId25"/>
-    <p:sldId id="281" r:id="rId26"/>
-    <p:sldId id="276" r:id="rId27"/>
-    <p:sldId id="277" r:id="rId28"/>
-    <p:sldId id="278" r:id="rId29"/>
+    <p:sldId id="256" r:id="rId3"/>
+    <p:sldId id="257" r:id="rId4"/>
+    <p:sldId id="258" r:id="rId5"/>
+    <p:sldId id="259" r:id="rId6"/>
+    <p:sldId id="260" r:id="rId7"/>
+    <p:sldId id="261" r:id="rId8"/>
+    <p:sldId id="262" r:id="rId9"/>
+    <p:sldId id="263" r:id="rId10"/>
+    <p:sldId id="264" r:id="rId11"/>
+    <p:sldId id="265" r:id="rId12"/>
+    <p:sldId id="266" r:id="rId13"/>
+    <p:sldId id="267" r:id="rId14"/>
+    <p:sldId id="268" r:id="rId15"/>
+    <p:sldId id="269" r:id="rId16"/>
+    <p:sldId id="270" r:id="rId17"/>
+    <p:sldId id="279" r:id="rId18"/>
+    <p:sldId id="271" r:id="rId19"/>
+    <p:sldId id="272" r:id="rId20"/>
+    <p:sldId id="280" r:id="rId21"/>
+    <p:sldId id="273" r:id="rId22"/>
+    <p:sldId id="274" r:id="rId23"/>
+    <p:sldId id="275" r:id="rId24"/>
+    <p:sldId id="281" r:id="rId25"/>
+    <p:sldId id="276" r:id="rId26"/>
+    <p:sldId id="277" r:id="rId27"/>
+    <p:sldId id="278" r:id="rId28"/>
   </p:sldIdLst>
   <p:sldSz cx="18288000" cy="10287000"/>
   <p:notesSz cx="18288000" cy="10287000"/>
@@ -130,6 +130,22 @@
       </a:defRPr>
     </a:lvl9pPr>
   </p:defaultTextStyle>
+  <p:extLst>
+    <p:ext uri="{EFAFB233-063F-42B5-8137-9DF3F51BA10A}">
+      <p15:sldGuideLst xmlns:p15="http://schemas.microsoft.com/office/powerpoint/2012/main">
+        <p15:guide id="1" orient="horz" pos="2880">
+          <p15:clr>
+            <a:srgbClr val="A4A3A4"/>
+          </p15:clr>
+        </p15:guide>
+        <p15:guide id="2" pos="2160">
+          <p15:clr>
+            <a:srgbClr val="A4A3A4"/>
+          </p15:clr>
+        </p15:guide>
+      </p15:sldGuideLst>
+    </p:ext>
+  </p:extLst>
 </p:presentation>
 </file>
 
@@ -215,6 +231,7 @@
           <a:p>
             <a:fld id="{3EFD42F7-718C-4B98-AAEC-167E6DDD60A7}" type="datetimeFigureOut">
               <a:rPr lang="en-US" smtClean="0"/>
+              <a:t>8/10/2023</a:t>
             </a:fld>
             <a:endParaRPr lang="en-US"/>
           </a:p>
@@ -278,42 +295,37 @@
           <a:p>
             <a:pPr lvl="0"/>
             <a:r>
-              <a:rPr lang="en-US" smtClean="0"/>
+              <a:rPr lang="en-US"/>
               <a:t>Click to edit Master text styles</a:t>
             </a:r>
-            <a:endParaRPr lang="en-US" smtClean="0"/>
           </a:p>
           <a:p>
             <a:pPr lvl="1"/>
             <a:r>
-              <a:rPr lang="en-US" smtClean="0"/>
+              <a:rPr lang="en-US"/>
               <a:t>Second level</a:t>
             </a:r>
-            <a:endParaRPr lang="en-US" smtClean="0"/>
           </a:p>
           <a:p>
             <a:pPr lvl="2"/>
             <a:r>
-              <a:rPr lang="en-US" smtClean="0"/>
+              <a:rPr lang="en-US"/>
               <a:t>Third level</a:t>
             </a:r>
-            <a:endParaRPr lang="en-US" smtClean="0"/>
           </a:p>
           <a:p>
             <a:pPr lvl="3"/>
             <a:r>
-              <a:rPr lang="en-US" smtClean="0"/>
+              <a:rPr lang="en-US"/>
               <a:t>Fourth level</a:t>
             </a:r>
-            <a:endParaRPr lang="en-US" smtClean="0"/>
           </a:p>
           <a:p>
             <a:pPr lvl="4"/>
             <a:r>
-              <a:rPr lang="en-US" smtClean="0"/>
+              <a:rPr lang="en-US"/>
               <a:t>Fifth level</a:t>
             </a:r>
-            <a:endParaRPr lang="en-US"/>
           </a:p>
         </p:txBody>
       </p:sp>
@@ -377,6 +389,7 @@
           <a:p>
             <a:fld id="{21B2AA4F-B828-4D7C-AFD3-893933DAFCB4}" type="slidenum">
               <a:rPr lang="en-US" smtClean="0"/>
+              <a:t>‹#›</a:t>
             </a:fld>
             <a:endParaRPr lang="en-US"/>
           </a:p>
@@ -525,7 +538,9 @@
               <a:defRPr/>
             </a:lvl1pPr>
           </a:lstStyle>
-          <a:p/>
+          <a:p>
+            <a:endParaRPr/>
+          </a:p>
         </p:txBody>
       </p:sp>
       <p:sp>
@@ -556,7 +571,9 @@
               <a:defRPr/>
             </a:lvl1pPr>
           </a:lstStyle>
-          <a:p/>
+          <a:p>
+            <a:endParaRPr/>
+          </a:p>
         </p:txBody>
       </p:sp>
       <p:sp>
@@ -583,7 +600,9 @@
               </a:defRPr>
             </a:lvl1pPr>
           </a:lstStyle>
-          <a:p/>
+          <a:p>
+            <a:endParaRPr/>
+          </a:p>
         </p:txBody>
       </p:sp>
       <p:sp>
@@ -613,6 +632,7 @@
           <a:p>
             <a:fld id="{1D8BD707-D9CF-40AE-B4C6-C98DA3205C09}" type="datetimeFigureOut">
               <a:rPr lang="en-US"/>
+              <a:t>8/10/2023</a:t>
             </a:fld>
             <a:endParaRPr lang="en-US"/>
           </a:p>
@@ -645,6 +665,7 @@
           <a:p>
             <a:fld id="{B6F15528-21DE-4FAA-801E-634DDDAF4B2B}" type="slidenum">
               <a:rPr/>
+              <a:t>‹#›</a:t>
             </a:fld>
             <a:endParaRPr/>
           </a:p>
@@ -660,7 +681,7 @@
 </file>
 
 <file path=ppt/slideLayouts/slideLayout10.xml><?xml version="1.0" encoding="utf-8"?>
-<p:sldLayout xmlns:a="http://schemas.openxmlformats.org/drawingml/2006/main" xmlns:r="http://schemas.openxmlformats.org/officeDocument/2006/relationships" xmlns:p="http://schemas.openxmlformats.org/presentationml/2006/main" type="obj" preserve="1" showMasterSp="0">
+<p:sldLayout xmlns:a="http://schemas.openxmlformats.org/drawingml/2006/main" xmlns:r="http://schemas.openxmlformats.org/officeDocument/2006/relationships" xmlns:p="http://schemas.openxmlformats.org/presentationml/2006/main" showMasterSp="0" type="obj" preserve="1">
   <p:cSld name="Blank">
     <p:bg>
       <p:bgPr>
@@ -729,7 +750,9 @@
         <p:txBody>
           <a:bodyPr wrap="square" lIns="0" tIns="0" rIns="0" bIns="0" rtlCol="0"/>
           <a:lstStyle/>
-          <a:p/>
+          <a:p>
+            <a:endParaRPr/>
+          </a:p>
         </p:txBody>
       </p:sp>
       <p:pic>
@@ -799,7 +822,9 @@
         <p:txBody>
           <a:bodyPr wrap="square" lIns="0" tIns="0" rIns="0" bIns="0" rtlCol="0"/>
           <a:lstStyle/>
-          <a:p/>
+          <a:p>
+            <a:endParaRPr/>
+          </a:p>
         </p:txBody>
       </p:sp>
       <p:sp>
@@ -826,7 +851,9 @@
               </a:defRPr>
             </a:lvl1pPr>
           </a:lstStyle>
-          <a:p/>
+          <a:p>
+            <a:endParaRPr/>
+          </a:p>
         </p:txBody>
       </p:sp>
       <p:sp>
@@ -856,6 +883,7 @@
           <a:p>
             <a:fld id="{1D8BD707-D9CF-40AE-B4C6-C98DA3205C09}" type="datetimeFigureOut">
               <a:rPr lang="en-US"/>
+              <a:t>8/10/2023</a:t>
             </a:fld>
             <a:endParaRPr lang="en-US"/>
           </a:p>
@@ -888,6 +916,7 @@
           <a:p>
             <a:fld id="{B6F15528-21DE-4FAA-801E-634DDDAF4B2B}" type="slidenum">
               <a:rPr/>
+              <a:t>‹#›</a:t>
             </a:fld>
             <a:endParaRPr/>
           </a:p>
@@ -943,7 +972,9 @@
               </a:defRPr>
             </a:lvl1pPr>
           </a:lstStyle>
-          <a:p/>
+          <a:p>
+            <a:endParaRPr/>
+          </a:p>
         </p:txBody>
       </p:sp>
       <p:sp>
@@ -968,7 +999,9 @@
               </a:defRPr>
             </a:lvl1pPr>
           </a:lstStyle>
-          <a:p/>
+          <a:p>
+            <a:endParaRPr/>
+          </a:p>
         </p:txBody>
       </p:sp>
       <p:sp>
@@ -995,7 +1028,9 @@
               </a:defRPr>
             </a:lvl1pPr>
           </a:lstStyle>
-          <a:p/>
+          <a:p>
+            <a:endParaRPr/>
+          </a:p>
         </p:txBody>
       </p:sp>
       <p:sp>
@@ -1025,6 +1060,7 @@
           <a:p>
             <a:fld id="{1D8BD707-D9CF-40AE-B4C6-C98DA3205C09}" type="datetimeFigureOut">
               <a:rPr lang="en-US"/>
+              <a:t>8/10/2023</a:t>
             </a:fld>
             <a:endParaRPr lang="en-US"/>
           </a:p>
@@ -1057,6 +1093,7 @@
           <a:p>
             <a:fld id="{B6F15528-21DE-4FAA-801E-634DDDAF4B2B}" type="slidenum">
               <a:rPr/>
+              <a:t>‹#›</a:t>
             </a:fld>
             <a:endParaRPr/>
           </a:p>
@@ -1072,7 +1109,7 @@
 </file>
 
 <file path=ppt/slideLayouts/slideLayout3.xml><?xml version="1.0" encoding="utf-8"?>
-<p:sldLayout xmlns:a="http://schemas.openxmlformats.org/drawingml/2006/main" xmlns:r="http://schemas.openxmlformats.org/officeDocument/2006/relationships" xmlns:p="http://schemas.openxmlformats.org/presentationml/2006/main" type="obj" preserve="1" showMasterSp="0">
+<p:sldLayout xmlns:a="http://schemas.openxmlformats.org/drawingml/2006/main" xmlns:r="http://schemas.openxmlformats.org/officeDocument/2006/relationships" xmlns:p="http://schemas.openxmlformats.org/presentationml/2006/main" showMasterSp="0" type="obj" preserve="1">
   <p:cSld name="Two Content">
     <p:bg>
       <p:bgPr>
@@ -1141,7 +1178,9 @@
         <p:txBody>
           <a:bodyPr wrap="square" lIns="0" tIns="0" rIns="0" bIns="0" rtlCol="0"/>
           <a:lstStyle/>
-          <a:p/>
+          <a:p>
+            <a:endParaRPr/>
+          </a:p>
         </p:txBody>
       </p:sp>
       <p:pic>
@@ -1211,7 +1250,9 @@
         <p:txBody>
           <a:bodyPr wrap="square" lIns="0" tIns="0" rIns="0" bIns="0" rtlCol="0"/>
           <a:lstStyle/>
-          <a:p/>
+          <a:p>
+            <a:endParaRPr/>
+          </a:p>
         </p:txBody>
       </p:sp>
       <p:sp>
@@ -1238,7 +1279,9 @@
               </a:defRPr>
             </a:lvl1pPr>
           </a:lstStyle>
-          <a:p/>
+          <a:p>
+            <a:endParaRPr/>
+          </a:p>
         </p:txBody>
       </p:sp>
       <p:sp>
@@ -1269,7 +1312,9 @@
               <a:defRPr/>
             </a:lvl1pPr>
           </a:lstStyle>
-          <a:p/>
+          <a:p>
+            <a:endParaRPr/>
+          </a:p>
         </p:txBody>
       </p:sp>
       <p:sp>
@@ -1300,7 +1345,9 @@
               <a:defRPr/>
             </a:lvl1pPr>
           </a:lstStyle>
-          <a:p/>
+          <a:p>
+            <a:endParaRPr/>
+          </a:p>
         </p:txBody>
       </p:sp>
       <p:sp>
@@ -1327,7 +1374,9 @@
               </a:defRPr>
             </a:lvl1pPr>
           </a:lstStyle>
-          <a:p/>
+          <a:p>
+            <a:endParaRPr/>
+          </a:p>
         </p:txBody>
       </p:sp>
       <p:sp>
@@ -1357,6 +1406,7 @@
           <a:p>
             <a:fld id="{1D8BD707-D9CF-40AE-B4C6-C98DA3205C09}" type="datetimeFigureOut">
               <a:rPr lang="en-US"/>
+              <a:t>8/10/2023</a:t>
             </a:fld>
             <a:endParaRPr lang="en-US"/>
           </a:p>
@@ -1389,6 +1439,7 @@
           <a:p>
             <a:fld id="{B6F15528-21DE-4FAA-801E-634DDDAF4B2B}" type="slidenum">
               <a:rPr/>
+              <a:t>‹#›</a:t>
             </a:fld>
             <a:endParaRPr/>
           </a:p>
@@ -1444,7 +1495,9 @@
               </a:defRPr>
             </a:lvl1pPr>
           </a:lstStyle>
-          <a:p/>
+          <a:p>
+            <a:endParaRPr/>
+          </a:p>
         </p:txBody>
       </p:sp>
       <p:sp>
@@ -1471,7 +1524,9 @@
               </a:defRPr>
             </a:lvl1pPr>
           </a:lstStyle>
-          <a:p/>
+          <a:p>
+            <a:endParaRPr/>
+          </a:p>
         </p:txBody>
       </p:sp>
       <p:sp>
@@ -1501,6 +1556,7 @@
           <a:p>
             <a:fld id="{1D8BD707-D9CF-40AE-B4C6-C98DA3205C09}" type="datetimeFigureOut">
               <a:rPr lang="en-US"/>
+              <a:t>8/10/2023</a:t>
             </a:fld>
             <a:endParaRPr lang="en-US"/>
           </a:p>
@@ -1533,6 +1589,7 @@
           <a:p>
             <a:fld id="{B6F15528-21DE-4FAA-801E-634DDDAF4B2B}" type="slidenum">
               <a:rPr/>
+              <a:t>‹#›</a:t>
             </a:fld>
             <a:endParaRPr/>
           </a:p>
@@ -1588,7 +1645,9 @@
               </a:defRPr>
             </a:lvl1pPr>
           </a:lstStyle>
-          <a:p/>
+          <a:p>
+            <a:endParaRPr/>
+          </a:p>
         </p:txBody>
       </p:sp>
       <p:sp>
@@ -1618,6 +1677,7 @@
           <a:p>
             <a:fld id="{1D8BD707-D9CF-40AE-B4C6-C98DA3205C09}" type="datetimeFigureOut">
               <a:rPr lang="en-US"/>
+              <a:t>8/10/2023</a:t>
             </a:fld>
             <a:endParaRPr lang="en-US"/>
           </a:p>
@@ -1650,6 +1710,7 @@
           <a:p>
             <a:fld id="{B6F15528-21DE-4FAA-801E-634DDDAF4B2B}" type="slidenum">
               <a:rPr/>
+              <a:t>‹#›</a:t>
             </a:fld>
             <a:endParaRPr/>
           </a:p>
@@ -1715,7 +1776,9 @@
               </a:defRPr>
             </a:lvl1pPr>
           </a:lstStyle>
-          <a:p/>
+          <a:p>
+            <a:endParaRPr/>
+          </a:p>
         </p:txBody>
       </p:sp>
       <p:sp>
@@ -1752,7 +1815,9 @@
               </a:defRPr>
             </a:lvl1pPr>
           </a:lstStyle>
-          <a:p/>
+          <a:p>
+            <a:endParaRPr/>
+          </a:p>
         </p:txBody>
       </p:sp>
       <p:sp>
@@ -1779,7 +1844,9 @@
               </a:defRPr>
             </a:lvl1pPr>
           </a:lstStyle>
-          <a:p/>
+          <a:p>
+            <a:endParaRPr/>
+          </a:p>
         </p:txBody>
       </p:sp>
       <p:sp>
@@ -1809,6 +1876,7 @@
           <a:p>
             <a:fld id="{1D8BD707-D9CF-40AE-B4C6-C98DA3205C09}" type="datetimeFigureOut">
               <a:rPr lang="en-US"/>
+              <a:t>8/10/2023</a:t>
             </a:fld>
             <a:endParaRPr lang="en-US"/>
           </a:p>
@@ -1841,6 +1909,7 @@
           <a:p>
             <a:fld id="{B6F15528-21DE-4FAA-801E-634DDDAF4B2B}" type="slidenum">
               <a:rPr/>
+              <a:t>‹#›</a:t>
             </a:fld>
             <a:endParaRPr/>
           </a:p>
@@ -1896,7 +1965,9 @@
               </a:defRPr>
             </a:lvl1pPr>
           </a:lstStyle>
-          <a:p/>
+          <a:p>
+            <a:endParaRPr/>
+          </a:p>
         </p:txBody>
       </p:sp>
       <p:sp>
@@ -1923,7 +1994,9 @@
               </a:defRPr>
             </a:lvl1pPr>
           </a:lstStyle>
-          <a:p/>
+          <a:p>
+            <a:endParaRPr/>
+          </a:p>
         </p:txBody>
       </p:sp>
       <p:sp>
@@ -1950,7 +2023,9 @@
               </a:defRPr>
             </a:lvl1pPr>
           </a:lstStyle>
-          <a:p/>
+          <a:p>
+            <a:endParaRPr/>
+          </a:p>
         </p:txBody>
       </p:sp>
       <p:sp>
@@ -1980,6 +2055,7 @@
           <a:p>
             <a:fld id="{1D8BD707-D9CF-40AE-B4C6-C98DA3205C09}" type="datetimeFigureOut">
               <a:rPr lang="en-US"/>
+              <a:t>8/10/2023</a:t>
             </a:fld>
             <a:endParaRPr lang="en-US"/>
           </a:p>
@@ -2012,6 +2088,7 @@
           <a:p>
             <a:fld id="{B6F15528-21DE-4FAA-801E-634DDDAF4B2B}" type="slidenum">
               <a:rPr/>
+              <a:t>‹#›</a:t>
             </a:fld>
             <a:endParaRPr/>
           </a:p>
@@ -2067,7 +2144,9 @@
               </a:defRPr>
             </a:lvl1pPr>
           </a:lstStyle>
-          <a:p/>
+          <a:p>
+            <a:endParaRPr/>
+          </a:p>
         </p:txBody>
       </p:sp>
       <p:sp>
@@ -2098,7 +2177,9 @@
               <a:defRPr/>
             </a:lvl1pPr>
           </a:lstStyle>
-          <a:p/>
+          <a:p>
+            <a:endParaRPr/>
+          </a:p>
         </p:txBody>
       </p:sp>
       <p:sp>
@@ -2129,7 +2210,9 @@
               <a:defRPr/>
             </a:lvl1pPr>
           </a:lstStyle>
-          <a:p/>
+          <a:p>
+            <a:endParaRPr/>
+          </a:p>
         </p:txBody>
       </p:sp>
       <p:sp>
@@ -2156,7 +2239,9 @@
               </a:defRPr>
             </a:lvl1pPr>
           </a:lstStyle>
-          <a:p/>
+          <a:p>
+            <a:endParaRPr/>
+          </a:p>
         </p:txBody>
       </p:sp>
       <p:sp>
@@ -2186,6 +2271,7 @@
           <a:p>
             <a:fld id="{1D8BD707-D9CF-40AE-B4C6-C98DA3205C09}" type="datetimeFigureOut">
               <a:rPr lang="en-US"/>
+              <a:t>8/10/2023</a:t>
             </a:fld>
             <a:endParaRPr lang="en-US"/>
           </a:p>
@@ -2218,6 +2304,7 @@
           <a:p>
             <a:fld id="{B6F15528-21DE-4FAA-801E-634DDDAF4B2B}" type="slidenum">
               <a:rPr/>
+              <a:t>‹#›</a:t>
             </a:fld>
             <a:endParaRPr/>
           </a:p>
@@ -2233,7 +2320,7 @@
 </file>
 
 <file path=ppt/slideLayouts/slideLayout9.xml><?xml version="1.0" encoding="utf-8"?>
-<p:sldLayout xmlns:a="http://schemas.openxmlformats.org/drawingml/2006/main" xmlns:r="http://schemas.openxmlformats.org/officeDocument/2006/relationships" xmlns:p="http://schemas.openxmlformats.org/presentationml/2006/main" type="obj" preserve="1" showMasterSp="0">
+<p:sldLayout xmlns:a="http://schemas.openxmlformats.org/drawingml/2006/main" xmlns:r="http://schemas.openxmlformats.org/officeDocument/2006/relationships" xmlns:p="http://schemas.openxmlformats.org/presentationml/2006/main" showMasterSp="0" type="obj" preserve="1">
   <p:cSld name="Title Only">
     <p:bg>
       <p:bgPr>
@@ -2303,7 +2390,9 @@
               </a:defRPr>
             </a:lvl1pPr>
           </a:lstStyle>
-          <a:p/>
+          <a:p>
+            <a:endParaRPr/>
+          </a:p>
         </p:txBody>
       </p:sp>
       <p:sp>
@@ -2330,7 +2419,9 @@
               </a:defRPr>
             </a:lvl1pPr>
           </a:lstStyle>
-          <a:p/>
+          <a:p>
+            <a:endParaRPr/>
+          </a:p>
         </p:txBody>
       </p:sp>
       <p:sp>
@@ -2360,6 +2451,7 @@
           <a:p>
             <a:fld id="{1D8BD707-D9CF-40AE-B4C6-C98DA3205C09}" type="datetimeFigureOut">
               <a:rPr lang="en-US"/>
+              <a:t>8/10/2023</a:t>
             </a:fld>
             <a:endParaRPr lang="en-US"/>
           </a:p>
@@ -2392,6 +2484,7 @@
           <a:p>
             <a:fld id="{B6F15528-21DE-4FAA-801E-634DDDAF4B2B}" type="slidenum">
               <a:rPr/>
+              <a:t>‹#›</a:t>
             </a:fld>
             <a:endParaRPr/>
           </a:p>
@@ -2465,7 +2558,9 @@
               </a:defRPr>
             </a:lvl1pPr>
           </a:lstStyle>
-          <a:p/>
+          <a:p>
+            <a:endParaRPr/>
+          </a:p>
         </p:txBody>
       </p:sp>
       <p:sp>
@@ -2500,7 +2595,9 @@
               </a:defRPr>
             </a:lvl1pPr>
           </a:lstStyle>
-          <a:p/>
+          <a:p>
+            <a:endParaRPr/>
+          </a:p>
         </p:txBody>
       </p:sp>
       <p:sp>
@@ -2537,7 +2634,9 @@
               </a:defRPr>
             </a:lvl1pPr>
           </a:lstStyle>
-          <a:p/>
+          <a:p>
+            <a:endParaRPr/>
+          </a:p>
         </p:txBody>
       </p:sp>
       <p:sp>
@@ -2577,6 +2676,7 @@
           <a:p>
             <a:fld id="{1D8BD707-D9CF-40AE-B4C6-C98DA3205C09}" type="datetimeFigureOut">
               <a:rPr lang="en-US"/>
+              <a:t>8/10/2023</a:t>
             </a:fld>
             <a:endParaRPr lang="en-US"/>
           </a:p>
@@ -2619,6 +2719,7 @@
           <a:p>
             <a:fld id="{B6F15528-21DE-4FAA-801E-634DDDAF4B2B}" type="slidenum">
               <a:rPr/>
+              <a:t>‹#›</a:t>
             </a:fld>
             <a:endParaRPr/>
           </a:p>
@@ -2838,7 +2939,9 @@
               </a:defRPr>
             </a:lvl1pPr>
           </a:lstStyle>
-          <a:p/>
+          <a:p>
+            <a:endParaRPr/>
+          </a:p>
         </p:txBody>
       </p:sp>
       <p:sp>
@@ -2875,7 +2978,9 @@
               </a:defRPr>
             </a:lvl1pPr>
           </a:lstStyle>
-          <a:p/>
+          <a:p>
+            <a:endParaRPr/>
+          </a:p>
         </p:txBody>
       </p:sp>
       <p:sp>
@@ -2912,7 +3017,9 @@
               </a:defRPr>
             </a:lvl1pPr>
           </a:lstStyle>
-          <a:p/>
+          <a:p>
+            <a:endParaRPr/>
+          </a:p>
         </p:txBody>
       </p:sp>
       <p:sp>
@@ -2952,6 +3059,7 @@
           <a:p>
             <a:fld id="{1D8BD707-D9CF-40AE-B4C6-C98DA3205C09}" type="datetimeFigureOut">
               <a:rPr lang="en-US"/>
+              <a:t>8/10/2023</a:t>
             </a:fld>
             <a:endParaRPr lang="en-US"/>
           </a:p>
@@ -2994,6 +3102,7 @@
           <a:p>
             <a:fld id="{B6F15528-21DE-4FAA-801E-634DDDAF4B2B}" type="slidenum">
               <a:rPr/>
+              <a:t>‹#›</a:t>
             </a:fld>
             <a:endParaRPr/>
           </a:p>
@@ -3178,7 +3287,7 @@
           <p:nvPr/>
         </p:nvPicPr>
         <p:blipFill>
-          <a:blip r:embed="rId1" cstate="print"/>
+          <a:blip r:embed="rId2" cstate="print"/>
           <a:stretch>
             <a:fillRect/>
           </a:stretch>
@@ -3323,9 +3432,11 @@
         <p:spPr/>
         <p:txBody>
           <a:bodyPr/>
+          <a:lstStyle/>
           <a:p>
             <a:fld id="{B6F15528-21DE-4FAA-801E-634DDDAF4B2B}" type="slidenum">
               <a:rPr/>
+              <a:t>1</a:t>
             </a:fld>
             <a:endParaRPr/>
           </a:p>
@@ -3400,10 +3511,6 @@
               </a:rPr>
               <a:t>Cursor</a:t>
             </a:r>
-            <a:endParaRPr spc="20" dirty="0">
-              <a:latin typeface="Microsoft Sans Serif" panose="020B0604020202020204"/>
-              <a:cs typeface="Microsoft Sans Serif" panose="020B0604020202020204"/>
-            </a:endParaRPr>
           </a:p>
         </p:txBody>
       </p:sp>
@@ -3417,7 +3524,7 @@
         </p:nvGraphicFramePr>
         <p:xfrm>
           <a:off x="4832350" y="3843020"/>
-          <a:ext cx="12211050" cy="2576829"/>
+          <a:ext cx="12192000" cy="2570480"/>
         </p:xfrm>
         <a:graphic>
           <a:graphicData uri="http://schemas.openxmlformats.org/drawingml/2006/table">
@@ -3426,9 +3533,27 @@
                 <a:tableStyleId>{2D5ABB26-0587-4C30-8999-92F81FD0307C}</a:tableStyleId>
               </a:tblPr>
               <a:tblGrid>
-                <a:gridCol w="4064000"/>
-                <a:gridCol w="4064000"/>
-                <a:gridCol w="4064000"/>
+                <a:gridCol w="4064000">
+                  <a:extLst>
+                    <a:ext uri="{9D8B030D-6E8A-4147-A177-3AD203B41FA5}">
+                      <a16:colId xmlns:a16="http://schemas.microsoft.com/office/drawing/2014/main" val="20000"/>
+                    </a:ext>
+                  </a:extLst>
+                </a:gridCol>
+                <a:gridCol w="4064000">
+                  <a:extLst>
+                    <a:ext uri="{9D8B030D-6E8A-4147-A177-3AD203B41FA5}">
+                      <a16:colId xmlns:a16="http://schemas.microsoft.com/office/drawing/2014/main" val="20001"/>
+                    </a:ext>
+                  </a:extLst>
+                </a:gridCol>
+                <a:gridCol w="4064000">
+                  <a:extLst>
+                    <a:ext uri="{9D8B030D-6E8A-4147-A177-3AD203B41FA5}">
+                      <a16:colId xmlns:a16="http://schemas.microsoft.com/office/drawing/2014/main" val="20002"/>
+                    </a:ext>
+                  </a:extLst>
+                </a:gridCol>
               </a:tblGrid>
               <a:tr h="561975">
                 <a:tc gridSpan="3">
@@ -3490,11 +3615,30 @@
                   </a:tcPr>
                 </a:tc>
                 <a:tc hMerge="1">
+                  <a:txBody>
+                    <a:bodyPr/>
+                    <a:lstStyle/>
+                    <a:p>
+                      <a:endParaRPr lang="en-US"/>
+                    </a:p>
+                  </a:txBody>
                   <a:tcPr marL="0" marR="0" marT="0" marB="0"/>
                 </a:tc>
                 <a:tc hMerge="1">
+                  <a:txBody>
+                    <a:bodyPr/>
+                    <a:lstStyle/>
+                    <a:p>
+                      <a:endParaRPr lang="en-US"/>
+                    </a:p>
+                  </a:txBody>
                   <a:tcPr marL="0" marR="0" marT="0" marB="0"/>
                 </a:tc>
+                <a:extLst>
+                  <a:ext uri="{0D108BD9-81ED-4DB2-BD59-A6C34878D82A}">
+                    <a16:rowId xmlns:a16="http://schemas.microsoft.com/office/drawing/2014/main" val="10000"/>
+                  </a:ext>
+                </a:extLst>
               </a:tr>
               <a:tr h="499745">
                 <a:tc>
@@ -3674,6 +3818,11 @@
                     </a:solidFill>
                   </a:tcPr>
                 </a:tc>
+                <a:extLst>
+                  <a:ext uri="{0D108BD9-81ED-4DB2-BD59-A6C34878D82A}">
+                    <a16:rowId xmlns:a16="http://schemas.microsoft.com/office/drawing/2014/main" val="10001"/>
+                  </a:ext>
+                </a:extLst>
               </a:tr>
               <a:tr h="502920">
                 <a:tc>
@@ -3873,6 +4022,11 @@
                     </a:solidFill>
                   </a:tcPr>
                 </a:tc>
+                <a:extLst>
+                  <a:ext uri="{0D108BD9-81ED-4DB2-BD59-A6C34878D82A}">
+                    <a16:rowId xmlns:a16="http://schemas.microsoft.com/office/drawing/2014/main" val="10002"/>
+                  </a:ext>
+                </a:extLst>
               </a:tr>
               <a:tr h="502920">
                 <a:tc>
@@ -4072,6 +4226,11 @@
                     </a:solidFill>
                   </a:tcPr>
                 </a:tc>
+                <a:extLst>
+                  <a:ext uri="{0D108BD9-81ED-4DB2-BD59-A6C34878D82A}">
+                    <a16:rowId xmlns:a16="http://schemas.microsoft.com/office/drawing/2014/main" val="10003"/>
+                  </a:ext>
+                </a:extLst>
               </a:tr>
               <a:tr h="502920">
                 <a:tc>
@@ -4271,6 +4430,11 @@
                     </a:solidFill>
                   </a:tcPr>
                 </a:tc>
+                <a:extLst>
+                  <a:ext uri="{0D108BD9-81ED-4DB2-BD59-A6C34878D82A}">
+                    <a16:rowId xmlns:a16="http://schemas.microsoft.com/office/drawing/2014/main" val="10004"/>
+                  </a:ext>
+                </a:extLst>
               </a:tr>
             </a:tbl>
           </a:graphicData>
@@ -4444,7 +4608,9 @@
         <p:txBody>
           <a:bodyPr wrap="square" lIns="0" tIns="0" rIns="0" bIns="0" rtlCol="0"/>
           <a:lstStyle/>
-          <a:p/>
+          <a:p>
+            <a:endParaRPr/>
+          </a:p>
         </p:txBody>
       </p:sp>
       <p:sp>
@@ -4460,9 +4626,11 @@
         <p:spPr/>
         <p:txBody>
           <a:bodyPr/>
+          <a:lstStyle/>
           <a:p>
             <a:fld id="{B6F15528-21DE-4FAA-801E-634DDDAF4B2B}" type="slidenum">
               <a:rPr/>
+              <a:t>10</a:t>
             </a:fld>
             <a:endParaRPr/>
           </a:p>
@@ -4538,7 +4706,9 @@
         <p:txBody>
           <a:bodyPr wrap="square" lIns="0" tIns="0" rIns="0" bIns="0" rtlCol="0"/>
           <a:lstStyle/>
-          <a:p/>
+          <a:p>
+            <a:endParaRPr/>
+          </a:p>
         </p:txBody>
       </p:sp>
       <p:sp>
@@ -4679,10 +4849,6 @@
               </a:rPr>
               <a:t>Numbers</a:t>
             </a:r>
-            <a:endParaRPr spc="15" dirty="0">
-              <a:latin typeface="Microsoft Sans Serif" panose="020B0604020202020204"/>
-              <a:cs typeface="Microsoft Sans Serif" panose="020B0604020202020204"/>
-            </a:endParaRPr>
           </a:p>
         </p:txBody>
       </p:sp>
@@ -5716,9 +5882,11 @@
         <p:spPr/>
         <p:txBody>
           <a:bodyPr/>
+          <a:lstStyle/>
           <a:p>
             <a:fld id="{B6F15528-21DE-4FAA-801E-634DDDAF4B2B}" type="slidenum">
               <a:rPr/>
+              <a:t>11</a:t>
             </a:fld>
             <a:endParaRPr/>
           </a:p>
@@ -5786,7 +5954,9 @@
         <p:txBody>
           <a:bodyPr wrap="square" lIns="0" tIns="0" rIns="0" bIns="0" rtlCol="0"/>
           <a:lstStyle/>
-          <a:p/>
+          <a:p>
+            <a:endParaRPr/>
+          </a:p>
         </p:txBody>
       </p:sp>
       <p:sp>
@@ -6492,9 +6662,11 @@
         <p:spPr/>
         <p:txBody>
           <a:bodyPr/>
+          <a:lstStyle/>
           <a:p>
             <a:fld id="{B6F15528-21DE-4FAA-801E-634DDDAF4B2B}" type="slidenum">
               <a:rPr/>
+              <a:t>12</a:t>
             </a:fld>
             <a:endParaRPr/>
           </a:p>
@@ -7845,9 +8017,11 @@
         <p:spPr/>
         <p:txBody>
           <a:bodyPr/>
+          <a:lstStyle/>
           <a:p>
             <a:fld id="{B6F15528-21DE-4FAA-801E-634DDDAF4B2B}" type="slidenum">
               <a:rPr/>
+              <a:t>13</a:t>
             </a:fld>
             <a:endParaRPr/>
           </a:p>
@@ -7923,7 +8097,9 @@
         <p:txBody>
           <a:bodyPr wrap="square" lIns="0" tIns="0" rIns="0" bIns="0" rtlCol="0"/>
           <a:lstStyle/>
-          <a:p/>
+          <a:p>
+            <a:endParaRPr/>
+          </a:p>
         </p:txBody>
       </p:sp>
       <p:sp>
@@ -8008,10 +8184,6 @@
               </a:rPr>
               <a:t>Name</a:t>
             </a:r>
-            <a:endParaRPr spc="-60" dirty="0">
-              <a:latin typeface="Microsoft Sans Serif" panose="020B0604020202020204"/>
-              <a:cs typeface="Microsoft Sans Serif" panose="020B0604020202020204"/>
-            </a:endParaRPr>
           </a:p>
         </p:txBody>
       </p:sp>
@@ -8854,9 +9026,11 @@
         <p:spPr/>
         <p:txBody>
           <a:bodyPr/>
+          <a:lstStyle/>
           <a:p>
             <a:fld id="{B6F15528-21DE-4FAA-801E-634DDDAF4B2B}" type="slidenum">
               <a:rPr/>
+              <a:t>14</a:t>
             </a:fld>
             <a:endParaRPr/>
           </a:p>
@@ -8924,7 +9098,9 @@
         <p:txBody>
           <a:bodyPr wrap="square" lIns="0" tIns="0" rIns="0" bIns="0" rtlCol="0"/>
           <a:lstStyle/>
-          <a:p/>
+          <a:p>
+            <a:endParaRPr/>
+          </a:p>
         </p:txBody>
       </p:sp>
       <p:sp>
@@ -8964,7 +9140,9 @@
         <p:txBody>
           <a:bodyPr wrap="square" lIns="0" tIns="0" rIns="0" bIns="0" rtlCol="0"/>
           <a:lstStyle/>
-          <a:p/>
+          <a:p>
+            <a:endParaRPr/>
+          </a:p>
         </p:txBody>
       </p:sp>
       <p:sp>
@@ -9004,7 +9182,9 @@
         <p:txBody>
           <a:bodyPr wrap="square" lIns="0" tIns="0" rIns="0" bIns="0" rtlCol="0"/>
           <a:lstStyle/>
-          <a:p/>
+          <a:p>
+            <a:endParaRPr/>
+          </a:p>
         </p:txBody>
       </p:sp>
       <p:sp>
@@ -9044,7 +9224,9 @@
         <p:txBody>
           <a:bodyPr wrap="square" lIns="0" tIns="0" rIns="0" bIns="0" rtlCol="0"/>
           <a:lstStyle/>
-          <a:p/>
+          <a:p>
+            <a:endParaRPr/>
+          </a:p>
         </p:txBody>
       </p:sp>
       <p:sp>
@@ -9115,10 +9297,6 @@
               </a:rPr>
               <a:t>Don'ts</a:t>
             </a:r>
-            <a:endParaRPr spc="5" dirty="0">
-              <a:latin typeface="Microsoft Sans Serif" panose="020B0604020202020204"/>
-              <a:cs typeface="Microsoft Sans Serif" panose="020B0604020202020204"/>
-            </a:endParaRPr>
           </a:p>
         </p:txBody>
       </p:sp>
@@ -9673,7 +9851,7 @@
           <p:nvPr/>
         </p:nvPicPr>
         <p:blipFill>
-          <a:blip r:embed="rId1" cstate="print"/>
+          <a:blip r:embed="rId2" cstate="print"/>
           <a:stretch>
             <a:fillRect/>
           </a:stretch>
@@ -9695,7 +9873,7 @@
           <p:nvPr/>
         </p:nvPicPr>
         <p:blipFill>
-          <a:blip r:embed="rId1" cstate="print"/>
+          <a:blip r:embed="rId2" cstate="print"/>
           <a:stretch>
             <a:fillRect/>
           </a:stretch>
@@ -9717,7 +9895,7 @@
           <p:nvPr/>
         </p:nvPicPr>
         <p:blipFill>
-          <a:blip r:embed="rId1" cstate="print"/>
+          <a:blip r:embed="rId2" cstate="print"/>
           <a:stretch>
             <a:fillRect/>
           </a:stretch>
@@ -9739,7 +9917,7 @@
           <p:nvPr/>
         </p:nvPicPr>
         <p:blipFill>
-          <a:blip r:embed="rId2" cstate="print"/>
+          <a:blip r:embed="rId3" cstate="print"/>
           <a:stretch>
             <a:fillRect/>
           </a:stretch>
@@ -9767,9 +9945,11 @@
         <p:spPr/>
         <p:txBody>
           <a:bodyPr/>
+          <a:lstStyle/>
           <a:p>
             <a:fld id="{B6F15528-21DE-4FAA-801E-634DDDAF4B2B}" type="slidenum">
               <a:rPr/>
+              <a:t>15</a:t>
             </a:fld>
             <a:endParaRPr/>
           </a:p>
@@ -9807,7 +9987,7 @@
           <p:nvPr/>
         </p:nvPicPr>
         <p:blipFill>
-          <a:blip r:embed="rId1" cstate="print"/>
+          <a:blip r:embed="rId2" cstate="print"/>
           <a:stretch>
             <a:fillRect/>
           </a:stretch>
@@ -9861,13 +10041,6 @@
               </a:rPr>
               <a:t>Using ResultSet</a:t>
             </a:r>
-            <a:endParaRPr sz="3600" b="1" dirty="0">
-              <a:solidFill>
-                <a:srgbClr val="2A9FBC"/>
-              </a:solidFill>
-              <a:latin typeface="Arial" panose="020B0604020202020204"/>
-              <a:cs typeface="Arial" panose="020B0604020202020204"/>
-            </a:endParaRPr>
           </a:p>
         </p:txBody>
       </p:sp>
@@ -9884,9 +10057,11 @@
         <p:spPr/>
         <p:txBody>
           <a:bodyPr/>
+          <a:lstStyle/>
           <a:p>
             <a:fld id="{B6F15528-21DE-4FAA-801E-634DDDAF4B2B}" type="slidenum">
               <a:rPr/>
+              <a:t>16</a:t>
             </a:fld>
             <a:endParaRPr/>
           </a:p>
@@ -9911,8 +10086,9 @@
           <a:bodyPr vert="horz" wrap="square" lIns="0" tIns="12700" rIns="0" bIns="0" rtlCol="0">
             <a:spAutoFit/>
           </a:bodyPr>
-          <a:p>
-            <a:pPr marL="12700">
+          <a:lstStyle/>
+          <a:p>
+            <a:pPr marL="12700" algn="ctr">
               <a:lnSpc>
                 <a:spcPct val="100000"/>
               </a:lnSpc>
@@ -9928,9 +10104,9 @@
                 <a:latin typeface="Microsoft Sans Serif" panose="020B0604020202020204"/>
                 <a:cs typeface="Microsoft Sans Serif" panose="020B0604020202020204"/>
               </a:rPr>
-              <a:t>Assissted Practice</a:t>
-            </a:r>
-            <a:endParaRPr lang="en-US" sz="5400">
+              <a:t>Demo</a:t>
+            </a:r>
+            <a:endParaRPr lang="en-US" sz="5400" dirty="0">
               <a:latin typeface="Microsoft Sans Serif" panose="020B0604020202020204"/>
               <a:cs typeface="Microsoft Sans Serif" panose="020B0604020202020204"/>
             </a:endParaRPr>
@@ -10024,10 +10200,6 @@
               </a:rPr>
               <a:t>Methods</a:t>
             </a:r>
-            <a:endParaRPr spc="110" dirty="0">
-              <a:latin typeface="Microsoft Sans Serif" panose="020B0604020202020204"/>
-              <a:cs typeface="Microsoft Sans Serif" panose="020B0604020202020204"/>
-            </a:endParaRPr>
           </a:p>
         </p:txBody>
       </p:sp>
@@ -10041,7 +10213,7 @@
         </p:nvGraphicFramePr>
         <p:xfrm>
           <a:off x="1517650" y="2335796"/>
-          <a:ext cx="14906625" cy="6317615"/>
+          <a:ext cx="14886940" cy="6304550"/>
         </p:xfrm>
         <a:graphic>
           <a:graphicData uri="http://schemas.openxmlformats.org/drawingml/2006/table">
@@ -10050,8 +10222,20 @@
                 <a:tableStyleId>{2D5ABB26-0587-4C30-8999-92F81FD0307C}</a:tableStyleId>
               </a:tblPr>
               <a:tblGrid>
-                <a:gridCol w="7443470"/>
-                <a:gridCol w="7443470"/>
+                <a:gridCol w="7443470">
+                  <a:extLst>
+                    <a:ext uri="{9D8B030D-6E8A-4147-A177-3AD203B41FA5}">
+                      <a16:colId xmlns:a16="http://schemas.microsoft.com/office/drawing/2014/main" val="20000"/>
+                    </a:ext>
+                  </a:extLst>
+                </a:gridCol>
+                <a:gridCol w="7443470">
+                  <a:extLst>
+                    <a:ext uri="{9D8B030D-6E8A-4147-A177-3AD203B41FA5}">
+                      <a16:colId xmlns:a16="http://schemas.microsoft.com/office/drawing/2014/main" val="20001"/>
+                    </a:ext>
+                  </a:extLst>
+                </a:gridCol>
               </a:tblGrid>
               <a:tr h="900650">
                 <a:tc>
@@ -10192,6 +10376,11 @@
                     </a:solidFill>
                   </a:tcPr>
                 </a:tc>
+                <a:extLst>
+                  <a:ext uri="{0D108BD9-81ED-4DB2-BD59-A6C34878D82A}">
+                    <a16:rowId xmlns:a16="http://schemas.microsoft.com/office/drawing/2014/main" val="10000"/>
+                  </a:ext>
+                </a:extLst>
               </a:tr>
               <a:tr h="900650">
                 <a:tc>
@@ -10312,6 +10501,11 @@
                     </a:solidFill>
                   </a:tcPr>
                 </a:tc>
+                <a:extLst>
+                  <a:ext uri="{0D108BD9-81ED-4DB2-BD59-A6C34878D82A}">
+                    <a16:rowId xmlns:a16="http://schemas.microsoft.com/office/drawing/2014/main" val="10001"/>
+                  </a:ext>
+                </a:extLst>
               </a:tr>
               <a:tr h="900650">
                 <a:tc>
@@ -10432,6 +10626,11 @@
                     </a:solidFill>
                   </a:tcPr>
                 </a:tc>
+                <a:extLst>
+                  <a:ext uri="{0D108BD9-81ED-4DB2-BD59-A6C34878D82A}">
+                    <a16:rowId xmlns:a16="http://schemas.microsoft.com/office/drawing/2014/main" val="10002"/>
+                  </a:ext>
+                </a:extLst>
               </a:tr>
               <a:tr h="900650">
                 <a:tc>
@@ -10552,6 +10751,11 @@
                     </a:solidFill>
                   </a:tcPr>
                 </a:tc>
+                <a:extLst>
+                  <a:ext uri="{0D108BD9-81ED-4DB2-BD59-A6C34878D82A}">
+                    <a16:rowId xmlns:a16="http://schemas.microsoft.com/office/drawing/2014/main" val="10003"/>
+                  </a:ext>
+                </a:extLst>
               </a:tr>
               <a:tr h="900650">
                 <a:tc>
@@ -10672,6 +10876,11 @@
                     </a:solidFill>
                   </a:tcPr>
                 </a:tc>
+                <a:extLst>
+                  <a:ext uri="{0D108BD9-81ED-4DB2-BD59-A6C34878D82A}">
+                    <a16:rowId xmlns:a16="http://schemas.microsoft.com/office/drawing/2014/main" val="10004"/>
+                  </a:ext>
+                </a:extLst>
               </a:tr>
               <a:tr h="900650">
                 <a:tc>
@@ -10792,6 +11001,11 @@
                     </a:solidFill>
                   </a:tcPr>
                 </a:tc>
+                <a:extLst>
+                  <a:ext uri="{0D108BD9-81ED-4DB2-BD59-A6C34878D82A}">
+                    <a16:rowId xmlns:a16="http://schemas.microsoft.com/office/drawing/2014/main" val="10005"/>
+                  </a:ext>
+                </a:extLst>
               </a:tr>
               <a:tr h="900650">
                 <a:tc>
@@ -10912,6 +11126,11 @@
                     </a:solidFill>
                   </a:tcPr>
                 </a:tc>
+                <a:extLst>
+                  <a:ext uri="{0D108BD9-81ED-4DB2-BD59-A6C34878D82A}">
+                    <a16:rowId xmlns:a16="http://schemas.microsoft.com/office/drawing/2014/main" val="10006"/>
+                  </a:ext>
+                </a:extLst>
               </a:tr>
             </a:tbl>
           </a:graphicData>
@@ -10930,9 +11149,11 @@
         <p:spPr/>
         <p:txBody>
           <a:bodyPr/>
+          <a:lstStyle/>
           <a:p>
             <a:fld id="{B6F15528-21DE-4FAA-801E-634DDDAF4B2B}" type="slidenum">
               <a:rPr/>
+              <a:t>17</a:t>
             </a:fld>
             <a:endParaRPr/>
           </a:p>
@@ -11008,7 +11229,9 @@
         <p:txBody>
           <a:bodyPr wrap="square" lIns="0" tIns="0" rIns="0" bIns="0" rtlCol="0"/>
           <a:lstStyle/>
-          <a:p/>
+          <a:p>
+            <a:endParaRPr/>
+          </a:p>
         </p:txBody>
       </p:sp>
       <p:sp>
@@ -11065,10 +11288,6 @@
               </a:rPr>
               <a:t>GetObject</a:t>
             </a:r>
-            <a:endParaRPr spc="125" dirty="0">
-              <a:latin typeface="Microsoft Sans Serif" panose="020B0604020202020204"/>
-              <a:cs typeface="Microsoft Sans Serif" panose="020B0604020202020204"/>
-            </a:endParaRPr>
           </a:p>
         </p:txBody>
       </p:sp>
@@ -11925,9 +12144,11 @@
         <p:spPr/>
         <p:txBody>
           <a:bodyPr/>
+          <a:lstStyle/>
           <a:p>
             <a:fld id="{B6F15528-21DE-4FAA-801E-634DDDAF4B2B}" type="slidenum">
               <a:rPr/>
+              <a:t>18</a:t>
             </a:fld>
             <a:endParaRPr/>
           </a:p>
@@ -11965,7 +12186,7 @@
           <p:nvPr/>
         </p:nvPicPr>
         <p:blipFill>
-          <a:blip r:embed="rId1" cstate="print"/>
+          <a:blip r:embed="rId2" cstate="print"/>
           <a:stretch>
             <a:fillRect/>
           </a:stretch>
@@ -12019,13 +12240,6 @@
               </a:rPr>
               <a:t>Using GetObject</a:t>
             </a:r>
-            <a:endParaRPr lang="en-US" sz="3600" b="1" dirty="0">
-              <a:solidFill>
-                <a:srgbClr val="2A9FBC"/>
-              </a:solidFill>
-              <a:latin typeface="Arial" panose="020B0604020202020204"/>
-              <a:cs typeface="Arial" panose="020B0604020202020204"/>
-            </a:endParaRPr>
           </a:p>
         </p:txBody>
       </p:sp>
@@ -12042,9 +12256,11 @@
         <p:spPr/>
         <p:txBody>
           <a:bodyPr/>
+          <a:lstStyle/>
           <a:p>
             <a:fld id="{B6F15528-21DE-4FAA-801E-634DDDAF4B2B}" type="slidenum">
               <a:rPr/>
+              <a:t>19</a:t>
             </a:fld>
             <a:endParaRPr/>
           </a:p>
@@ -12069,8 +12285,9 @@
           <a:bodyPr vert="horz" wrap="square" lIns="0" tIns="12700" rIns="0" bIns="0" rtlCol="0">
             <a:spAutoFit/>
           </a:bodyPr>
-          <a:p>
-            <a:pPr marL="12700">
+          <a:lstStyle/>
+          <a:p>
+            <a:pPr marL="12700" algn="ctr">
               <a:lnSpc>
                 <a:spcPct val="100000"/>
               </a:lnSpc>
@@ -12086,9 +12303,9 @@
                 <a:latin typeface="Microsoft Sans Serif" panose="020B0604020202020204"/>
                 <a:cs typeface="Microsoft Sans Serif" panose="020B0604020202020204"/>
               </a:rPr>
-              <a:t>Assissted Practice</a:t>
-            </a:r>
-            <a:endParaRPr lang="en-US" sz="5400">
+              <a:t>Demo</a:t>
+            </a:r>
+            <a:endParaRPr lang="en-US" sz="5400" dirty="0">
               <a:latin typeface="Microsoft Sans Serif" panose="020B0604020202020204"/>
               <a:cs typeface="Microsoft Sans Serif" panose="020B0604020202020204"/>
             </a:endParaRPr>
@@ -12127,7 +12344,7 @@
           <p:nvPr/>
         </p:nvPicPr>
         <p:blipFill>
-          <a:blip r:embed="rId1" cstate="print"/>
+          <a:blip r:embed="rId2" cstate="print"/>
           <a:stretch>
             <a:fillRect/>
           </a:stretch>
@@ -12665,9 +12882,11 @@
         <p:spPr/>
         <p:txBody>
           <a:bodyPr/>
+          <a:lstStyle/>
           <a:p>
             <a:fld id="{B6F15528-21DE-4FAA-801E-634DDDAF4B2B}" type="slidenum">
               <a:rPr/>
+              <a:t>2</a:t>
             </a:fld>
             <a:endParaRPr/>
           </a:p>
@@ -12735,7 +12954,9 @@
         <p:txBody>
           <a:bodyPr wrap="square" lIns="0" tIns="0" rIns="0" bIns="0" rtlCol="0"/>
           <a:lstStyle/>
-          <a:p/>
+          <a:p>
+            <a:endParaRPr/>
+          </a:p>
         </p:txBody>
       </p:sp>
       <p:sp>
@@ -13189,9 +13410,11 @@
         <p:spPr/>
         <p:txBody>
           <a:bodyPr/>
+          <a:lstStyle/>
           <a:p>
             <a:fld id="{B6F15528-21DE-4FAA-801E-634DDDAF4B2B}" type="slidenum">
               <a:rPr/>
+              <a:t>20</a:t>
             </a:fld>
             <a:endParaRPr/>
           </a:p>
@@ -13267,7 +13490,9 @@
         <p:txBody>
           <a:bodyPr wrap="square" lIns="0" tIns="0" rIns="0" bIns="0" rtlCol="0"/>
           <a:lstStyle/>
-          <a:p/>
+          <a:p>
+            <a:endParaRPr/>
+          </a:p>
         </p:txBody>
       </p:sp>
       <p:grpSp>
@@ -13291,7 +13516,7 @@
             <p:nvPr/>
           </p:nvPicPr>
           <p:blipFill>
-            <a:blip r:embed="rId1" cstate="print"/>
+            <a:blip r:embed="rId2" cstate="print"/>
             <a:stretch>
               <a:fillRect/>
             </a:stretch>
@@ -13351,7 +13576,9 @@
           <p:txBody>
             <a:bodyPr wrap="square" lIns="0" tIns="0" rIns="0" bIns="0" rtlCol="0"/>
             <a:lstStyle/>
-            <a:p/>
+            <a:p>
+              <a:endParaRPr/>
+            </a:p>
           </p:txBody>
         </p:sp>
       </p:grpSp>
@@ -15069,9 +15296,11 @@
         <p:spPr/>
         <p:txBody>
           <a:bodyPr/>
+          <a:lstStyle/>
           <a:p>
             <a:fld id="{B6F15528-21DE-4FAA-801E-634DDDAF4B2B}" type="slidenum">
               <a:rPr/>
+              <a:t>21</a:t>
             </a:fld>
             <a:endParaRPr/>
           </a:p>
@@ -15147,7 +15376,9 @@
         <p:txBody>
           <a:bodyPr wrap="square" lIns="0" tIns="0" rIns="0" bIns="0" rtlCol="0"/>
           <a:lstStyle/>
-          <a:p/>
+          <a:p>
+            <a:endParaRPr/>
+          </a:p>
         </p:txBody>
       </p:sp>
       <p:sp>
@@ -15232,10 +15463,6 @@
               </a:rPr>
               <a:t>Nulls</a:t>
             </a:r>
-            <a:endParaRPr spc="-75" dirty="0">
-              <a:latin typeface="Microsoft Sans Serif" panose="020B0604020202020204"/>
-              <a:cs typeface="Microsoft Sans Serif" panose="020B0604020202020204"/>
-            </a:endParaRPr>
           </a:p>
         </p:txBody>
       </p:sp>
@@ -15879,9 +16106,11 @@
         <p:spPr/>
         <p:txBody>
           <a:bodyPr/>
+          <a:lstStyle/>
           <a:p>
             <a:fld id="{B6F15528-21DE-4FAA-801E-634DDDAF4B2B}" type="slidenum">
               <a:rPr/>
+              <a:t>22</a:t>
             </a:fld>
             <a:endParaRPr/>
           </a:p>
@@ -15919,7 +16148,7 @@
           <p:nvPr/>
         </p:nvPicPr>
         <p:blipFill>
-          <a:blip r:embed="rId1" cstate="print"/>
+          <a:blip r:embed="rId2" cstate="print"/>
           <a:stretch>
             <a:fillRect/>
           </a:stretch>
@@ -15973,13 +16202,6 @@
               </a:rPr>
               <a:t>Binding JDBC Parameters</a:t>
             </a:r>
-            <a:endParaRPr lang="en-US" sz="3600" b="1" dirty="0">
-              <a:solidFill>
-                <a:srgbClr val="2A9FBC"/>
-              </a:solidFill>
-              <a:latin typeface="Arial" panose="020B0604020202020204"/>
-              <a:cs typeface="Arial" panose="020B0604020202020204"/>
-            </a:endParaRPr>
           </a:p>
         </p:txBody>
       </p:sp>
@@ -15996,9 +16218,11 @@
         <p:spPr/>
         <p:txBody>
           <a:bodyPr/>
+          <a:lstStyle/>
           <a:p>
             <a:fld id="{B6F15528-21DE-4FAA-801E-634DDDAF4B2B}" type="slidenum">
               <a:rPr/>
+              <a:t>23</a:t>
             </a:fld>
             <a:endParaRPr/>
           </a:p>
@@ -16023,8 +16247,9 @@
           <a:bodyPr vert="horz" wrap="square" lIns="0" tIns="12700" rIns="0" bIns="0" rtlCol="0">
             <a:spAutoFit/>
           </a:bodyPr>
-          <a:p>
-            <a:pPr marL="12700">
+          <a:lstStyle/>
+          <a:p>
+            <a:pPr marL="12700" algn="ctr">
               <a:lnSpc>
                 <a:spcPct val="100000"/>
               </a:lnSpc>
@@ -16040,9 +16265,9 @@
                 <a:latin typeface="Microsoft Sans Serif" panose="020B0604020202020204"/>
                 <a:cs typeface="Microsoft Sans Serif" panose="020B0604020202020204"/>
               </a:rPr>
-              <a:t>Assissted Practice</a:t>
-            </a:r>
-            <a:endParaRPr lang="en-US" sz="5400">
+              <a:t>Demo</a:t>
+            </a:r>
+            <a:endParaRPr lang="en-US" sz="5400" dirty="0">
               <a:latin typeface="Microsoft Sans Serif" panose="020B0604020202020204"/>
               <a:cs typeface="Microsoft Sans Serif" panose="020B0604020202020204"/>
             </a:endParaRPr>
@@ -16111,7 +16336,9 @@
         <p:txBody>
           <a:bodyPr wrap="square" lIns="0" tIns="0" rIns="0" bIns="0" rtlCol="0"/>
           <a:lstStyle/>
-          <a:p/>
+          <a:p>
+            <a:endParaRPr/>
+          </a:p>
         </p:txBody>
       </p:sp>
       <p:sp>
@@ -16923,9 +17150,11 @@
         <p:spPr/>
         <p:txBody>
           <a:bodyPr/>
+          <a:lstStyle/>
           <a:p>
             <a:fld id="{B6F15528-21DE-4FAA-801E-634DDDAF4B2B}" type="slidenum">
               <a:rPr/>
+              <a:t>24</a:t>
             </a:fld>
             <a:endParaRPr/>
           </a:p>
@@ -16963,7 +17192,7 @@
           <p:nvPr/>
         </p:nvPicPr>
         <p:blipFill>
-          <a:blip r:embed="rId1" cstate="print"/>
+          <a:blip r:embed="rId2" cstate="print"/>
           <a:stretch>
             <a:fillRect/>
           </a:stretch>
@@ -17711,9 +17940,11 @@
         <p:spPr/>
         <p:txBody>
           <a:bodyPr/>
+          <a:lstStyle/>
           <a:p>
             <a:fld id="{B6F15528-21DE-4FAA-801E-634DDDAF4B2B}" type="slidenum">
               <a:rPr/>
+              <a:t>25</a:t>
             </a:fld>
             <a:endParaRPr/>
           </a:p>
@@ -17751,7 +17982,7 @@
           <p:nvPr/>
         </p:nvPicPr>
         <p:blipFill>
-          <a:blip r:embed="rId1" cstate="print"/>
+          <a:blip r:embed="rId2" cstate="print"/>
           <a:stretch>
             <a:fillRect/>
           </a:stretch>
@@ -17903,9 +18134,11 @@
         <p:spPr/>
         <p:txBody>
           <a:bodyPr/>
+          <a:lstStyle/>
           <a:p>
             <a:fld id="{B6F15528-21DE-4FAA-801E-634DDDAF4B2B}" type="slidenum">
               <a:rPr/>
+              <a:t>26</a:t>
             </a:fld>
             <a:endParaRPr/>
           </a:p>
@@ -17973,7 +18206,9 @@
         <p:txBody>
           <a:bodyPr wrap="square" lIns="0" tIns="0" rIns="0" bIns="0" rtlCol="0"/>
           <a:lstStyle/>
-          <a:p/>
+          <a:p>
+            <a:endParaRPr/>
+          </a:p>
         </p:txBody>
       </p:sp>
       <p:sp>
@@ -18847,9 +19082,11 @@
         <p:spPr/>
         <p:txBody>
           <a:bodyPr/>
+          <a:lstStyle/>
           <a:p>
             <a:fld id="{B6F15528-21DE-4FAA-801E-634DDDAF4B2B}" type="slidenum">
               <a:rPr/>
+              <a:t>3</a:t>
             </a:fld>
             <a:endParaRPr/>
           </a:p>
@@ -20220,9 +20457,11 @@
         <p:spPr/>
         <p:txBody>
           <a:bodyPr/>
+          <a:lstStyle/>
           <a:p>
             <a:fld id="{B6F15528-21DE-4FAA-801E-634DDDAF4B2B}" type="slidenum">
               <a:rPr/>
+              <a:t>4</a:t>
             </a:fld>
             <a:endParaRPr/>
           </a:p>
@@ -20297,10 +20536,6 @@
               </a:rPr>
               <a:t>Cursor</a:t>
             </a:r>
-            <a:endParaRPr spc="20" dirty="0">
-              <a:latin typeface="Microsoft Sans Serif" panose="020B0604020202020204"/>
-              <a:cs typeface="Microsoft Sans Serif" panose="020B0604020202020204"/>
-            </a:endParaRPr>
           </a:p>
         </p:txBody>
       </p:sp>
@@ -20314,7 +20549,7 @@
         </p:nvGraphicFramePr>
         <p:xfrm>
           <a:off x="4832350" y="3843020"/>
-          <a:ext cx="12211050" cy="2576829"/>
+          <a:ext cx="12192000" cy="2570480"/>
         </p:xfrm>
         <a:graphic>
           <a:graphicData uri="http://schemas.openxmlformats.org/drawingml/2006/table">
@@ -20323,9 +20558,27 @@
                 <a:tableStyleId>{2D5ABB26-0587-4C30-8999-92F81FD0307C}</a:tableStyleId>
               </a:tblPr>
               <a:tblGrid>
-                <a:gridCol w="4064000"/>
-                <a:gridCol w="4064000"/>
-                <a:gridCol w="4064000"/>
+                <a:gridCol w="4064000">
+                  <a:extLst>
+                    <a:ext uri="{9D8B030D-6E8A-4147-A177-3AD203B41FA5}">
+                      <a16:colId xmlns:a16="http://schemas.microsoft.com/office/drawing/2014/main" val="20000"/>
+                    </a:ext>
+                  </a:extLst>
+                </a:gridCol>
+                <a:gridCol w="4064000">
+                  <a:extLst>
+                    <a:ext uri="{9D8B030D-6E8A-4147-A177-3AD203B41FA5}">
+                      <a16:colId xmlns:a16="http://schemas.microsoft.com/office/drawing/2014/main" val="20001"/>
+                    </a:ext>
+                  </a:extLst>
+                </a:gridCol>
+                <a:gridCol w="4064000">
+                  <a:extLst>
+                    <a:ext uri="{9D8B030D-6E8A-4147-A177-3AD203B41FA5}">
+                      <a16:colId xmlns:a16="http://schemas.microsoft.com/office/drawing/2014/main" val="20002"/>
+                    </a:ext>
+                  </a:extLst>
+                </a:gridCol>
               </a:tblGrid>
               <a:tr h="561975">
                 <a:tc gridSpan="3">
@@ -20387,11 +20640,30 @@
                   </a:tcPr>
                 </a:tc>
                 <a:tc hMerge="1">
+                  <a:txBody>
+                    <a:bodyPr/>
+                    <a:lstStyle/>
+                    <a:p>
+                      <a:endParaRPr lang="en-US"/>
+                    </a:p>
+                  </a:txBody>
                   <a:tcPr marL="0" marR="0" marT="0" marB="0"/>
                 </a:tc>
                 <a:tc hMerge="1">
+                  <a:txBody>
+                    <a:bodyPr/>
+                    <a:lstStyle/>
+                    <a:p>
+                      <a:endParaRPr lang="en-US"/>
+                    </a:p>
+                  </a:txBody>
                   <a:tcPr marL="0" marR="0" marT="0" marB="0"/>
                 </a:tc>
+                <a:extLst>
+                  <a:ext uri="{0D108BD9-81ED-4DB2-BD59-A6C34878D82A}">
+                    <a16:rowId xmlns:a16="http://schemas.microsoft.com/office/drawing/2014/main" val="10000"/>
+                  </a:ext>
+                </a:extLst>
               </a:tr>
               <a:tr h="499745">
                 <a:tc>
@@ -20571,6 +20843,11 @@
                     </a:solidFill>
                   </a:tcPr>
                 </a:tc>
+                <a:extLst>
+                  <a:ext uri="{0D108BD9-81ED-4DB2-BD59-A6C34878D82A}">
+                    <a16:rowId xmlns:a16="http://schemas.microsoft.com/office/drawing/2014/main" val="10001"/>
+                  </a:ext>
+                </a:extLst>
               </a:tr>
               <a:tr h="502920">
                 <a:tc>
@@ -20770,6 +21047,11 @@
                     </a:solidFill>
                   </a:tcPr>
                 </a:tc>
+                <a:extLst>
+                  <a:ext uri="{0D108BD9-81ED-4DB2-BD59-A6C34878D82A}">
+                    <a16:rowId xmlns:a16="http://schemas.microsoft.com/office/drawing/2014/main" val="10002"/>
+                  </a:ext>
+                </a:extLst>
               </a:tr>
               <a:tr h="502920">
                 <a:tc>
@@ -20969,6 +21251,11 @@
                     </a:solidFill>
                   </a:tcPr>
                 </a:tc>
+                <a:extLst>
+                  <a:ext uri="{0D108BD9-81ED-4DB2-BD59-A6C34878D82A}">
+                    <a16:rowId xmlns:a16="http://schemas.microsoft.com/office/drawing/2014/main" val="10003"/>
+                  </a:ext>
+                </a:extLst>
               </a:tr>
               <a:tr h="502920">
                 <a:tc>
@@ -21168,6 +21455,11 @@
                     </a:solidFill>
                   </a:tcPr>
                 </a:tc>
+                <a:extLst>
+                  <a:ext uri="{0D108BD9-81ED-4DB2-BD59-A6C34878D82A}">
+                    <a16:rowId xmlns:a16="http://schemas.microsoft.com/office/drawing/2014/main" val="10004"/>
+                  </a:ext>
+                </a:extLst>
               </a:tr>
             </a:tbl>
           </a:graphicData>
@@ -21186,9 +21478,11 @@
         <p:spPr/>
         <p:txBody>
           <a:bodyPr/>
+          <a:lstStyle/>
           <a:p>
             <a:fld id="{B6F15528-21DE-4FAA-801E-634DDDAF4B2B}" type="slidenum">
               <a:rPr/>
+              <a:t>5</a:t>
             </a:fld>
             <a:endParaRPr/>
           </a:p>
@@ -21263,10 +21557,6 @@
               </a:rPr>
               <a:t>Cursor</a:t>
             </a:r>
-            <a:endParaRPr spc="20" dirty="0">
-              <a:latin typeface="Microsoft Sans Serif" panose="020B0604020202020204"/>
-              <a:cs typeface="Microsoft Sans Serif" panose="020B0604020202020204"/>
-            </a:endParaRPr>
           </a:p>
         </p:txBody>
       </p:sp>
@@ -21280,7 +21570,7 @@
         </p:nvGraphicFramePr>
         <p:xfrm>
           <a:off x="4832350" y="3843020"/>
-          <a:ext cx="12211050" cy="2576829"/>
+          <a:ext cx="12192000" cy="2570480"/>
         </p:xfrm>
         <a:graphic>
           <a:graphicData uri="http://schemas.openxmlformats.org/drawingml/2006/table">
@@ -21289,9 +21579,27 @@
                 <a:tableStyleId>{2D5ABB26-0587-4C30-8999-92F81FD0307C}</a:tableStyleId>
               </a:tblPr>
               <a:tblGrid>
-                <a:gridCol w="4064000"/>
-                <a:gridCol w="4064000"/>
-                <a:gridCol w="4064000"/>
+                <a:gridCol w="4064000">
+                  <a:extLst>
+                    <a:ext uri="{9D8B030D-6E8A-4147-A177-3AD203B41FA5}">
+                      <a16:colId xmlns:a16="http://schemas.microsoft.com/office/drawing/2014/main" val="20000"/>
+                    </a:ext>
+                  </a:extLst>
+                </a:gridCol>
+                <a:gridCol w="4064000">
+                  <a:extLst>
+                    <a:ext uri="{9D8B030D-6E8A-4147-A177-3AD203B41FA5}">
+                      <a16:colId xmlns:a16="http://schemas.microsoft.com/office/drawing/2014/main" val="20001"/>
+                    </a:ext>
+                  </a:extLst>
+                </a:gridCol>
+                <a:gridCol w="4064000">
+                  <a:extLst>
+                    <a:ext uri="{9D8B030D-6E8A-4147-A177-3AD203B41FA5}">
+                      <a16:colId xmlns:a16="http://schemas.microsoft.com/office/drawing/2014/main" val="20002"/>
+                    </a:ext>
+                  </a:extLst>
+                </a:gridCol>
               </a:tblGrid>
               <a:tr h="561975">
                 <a:tc gridSpan="3">
@@ -21353,11 +21661,30 @@
                   </a:tcPr>
                 </a:tc>
                 <a:tc hMerge="1">
+                  <a:txBody>
+                    <a:bodyPr/>
+                    <a:lstStyle/>
+                    <a:p>
+                      <a:endParaRPr lang="en-US"/>
+                    </a:p>
+                  </a:txBody>
                   <a:tcPr marL="0" marR="0" marT="0" marB="0"/>
                 </a:tc>
                 <a:tc hMerge="1">
+                  <a:txBody>
+                    <a:bodyPr/>
+                    <a:lstStyle/>
+                    <a:p>
+                      <a:endParaRPr lang="en-US"/>
+                    </a:p>
+                  </a:txBody>
                   <a:tcPr marL="0" marR="0" marT="0" marB="0"/>
                 </a:tc>
+                <a:extLst>
+                  <a:ext uri="{0D108BD9-81ED-4DB2-BD59-A6C34878D82A}">
+                    <a16:rowId xmlns:a16="http://schemas.microsoft.com/office/drawing/2014/main" val="10000"/>
+                  </a:ext>
+                </a:extLst>
               </a:tr>
               <a:tr h="499745">
                 <a:tc>
@@ -21537,6 +21864,11 @@
                     </a:solidFill>
                   </a:tcPr>
                 </a:tc>
+                <a:extLst>
+                  <a:ext uri="{0D108BD9-81ED-4DB2-BD59-A6C34878D82A}">
+                    <a16:rowId xmlns:a16="http://schemas.microsoft.com/office/drawing/2014/main" val="10001"/>
+                  </a:ext>
+                </a:extLst>
               </a:tr>
               <a:tr h="502920">
                 <a:tc>
@@ -21736,6 +22068,11 @@
                     </a:solidFill>
                   </a:tcPr>
                 </a:tc>
+                <a:extLst>
+                  <a:ext uri="{0D108BD9-81ED-4DB2-BD59-A6C34878D82A}">
+                    <a16:rowId xmlns:a16="http://schemas.microsoft.com/office/drawing/2014/main" val="10002"/>
+                  </a:ext>
+                </a:extLst>
               </a:tr>
               <a:tr h="502920">
                 <a:tc>
@@ -21935,6 +22272,11 @@
                     </a:solidFill>
                   </a:tcPr>
                 </a:tc>
+                <a:extLst>
+                  <a:ext uri="{0D108BD9-81ED-4DB2-BD59-A6C34878D82A}">
+                    <a16:rowId xmlns:a16="http://schemas.microsoft.com/office/drawing/2014/main" val="10003"/>
+                  </a:ext>
+                </a:extLst>
               </a:tr>
               <a:tr h="502920">
                 <a:tc>
@@ -22134,6 +22476,11 @@
                     </a:solidFill>
                   </a:tcPr>
                 </a:tc>
+                <a:extLst>
+                  <a:ext uri="{0D108BD9-81ED-4DB2-BD59-A6C34878D82A}">
+                    <a16:rowId xmlns:a16="http://schemas.microsoft.com/office/drawing/2014/main" val="10004"/>
+                  </a:ext>
+                </a:extLst>
               </a:tr>
             </a:tbl>
           </a:graphicData>
@@ -22295,7 +22642,9 @@
         <p:txBody>
           <a:bodyPr wrap="square" lIns="0" tIns="0" rIns="0" bIns="0" rtlCol="0"/>
           <a:lstStyle/>
-          <a:p/>
+          <a:p>
+            <a:endParaRPr/>
+          </a:p>
         </p:txBody>
       </p:sp>
       <p:sp>
@@ -22311,9 +22660,11 @@
         <p:spPr/>
         <p:txBody>
           <a:bodyPr/>
+          <a:lstStyle/>
           <a:p>
             <a:fld id="{B6F15528-21DE-4FAA-801E-634DDDAF4B2B}" type="slidenum">
               <a:rPr/>
+              <a:t>6</a:t>
             </a:fld>
             <a:endParaRPr/>
           </a:p>
@@ -22388,10 +22739,6 @@
               </a:rPr>
               <a:t>Cursor</a:t>
             </a:r>
-            <a:endParaRPr spc="20" dirty="0">
-              <a:latin typeface="Microsoft Sans Serif" panose="020B0604020202020204"/>
-              <a:cs typeface="Microsoft Sans Serif" panose="020B0604020202020204"/>
-            </a:endParaRPr>
           </a:p>
         </p:txBody>
       </p:sp>
@@ -22405,7 +22752,7 @@
         </p:nvGraphicFramePr>
         <p:xfrm>
           <a:off x="4832350" y="3843020"/>
-          <a:ext cx="12211050" cy="2576829"/>
+          <a:ext cx="12192000" cy="2570480"/>
         </p:xfrm>
         <a:graphic>
           <a:graphicData uri="http://schemas.openxmlformats.org/drawingml/2006/table">
@@ -22414,9 +22761,27 @@
                 <a:tableStyleId>{2D5ABB26-0587-4C30-8999-92F81FD0307C}</a:tableStyleId>
               </a:tblPr>
               <a:tblGrid>
-                <a:gridCol w="4064000"/>
-                <a:gridCol w="4064000"/>
-                <a:gridCol w="4064000"/>
+                <a:gridCol w="4064000">
+                  <a:extLst>
+                    <a:ext uri="{9D8B030D-6E8A-4147-A177-3AD203B41FA5}">
+                      <a16:colId xmlns:a16="http://schemas.microsoft.com/office/drawing/2014/main" val="20000"/>
+                    </a:ext>
+                  </a:extLst>
+                </a:gridCol>
+                <a:gridCol w="4064000">
+                  <a:extLst>
+                    <a:ext uri="{9D8B030D-6E8A-4147-A177-3AD203B41FA5}">
+                      <a16:colId xmlns:a16="http://schemas.microsoft.com/office/drawing/2014/main" val="20001"/>
+                    </a:ext>
+                  </a:extLst>
+                </a:gridCol>
+                <a:gridCol w="4064000">
+                  <a:extLst>
+                    <a:ext uri="{9D8B030D-6E8A-4147-A177-3AD203B41FA5}">
+                      <a16:colId xmlns:a16="http://schemas.microsoft.com/office/drawing/2014/main" val="20002"/>
+                    </a:ext>
+                  </a:extLst>
+                </a:gridCol>
               </a:tblGrid>
               <a:tr h="561975">
                 <a:tc gridSpan="3">
@@ -22478,11 +22843,30 @@
                   </a:tcPr>
                 </a:tc>
                 <a:tc hMerge="1">
+                  <a:txBody>
+                    <a:bodyPr/>
+                    <a:lstStyle/>
+                    <a:p>
+                      <a:endParaRPr lang="en-US"/>
+                    </a:p>
+                  </a:txBody>
                   <a:tcPr marL="0" marR="0" marT="0" marB="0"/>
                 </a:tc>
                 <a:tc hMerge="1">
+                  <a:txBody>
+                    <a:bodyPr/>
+                    <a:lstStyle/>
+                    <a:p>
+                      <a:endParaRPr lang="en-US"/>
+                    </a:p>
+                  </a:txBody>
                   <a:tcPr marL="0" marR="0" marT="0" marB="0"/>
                 </a:tc>
+                <a:extLst>
+                  <a:ext uri="{0D108BD9-81ED-4DB2-BD59-A6C34878D82A}">
+                    <a16:rowId xmlns:a16="http://schemas.microsoft.com/office/drawing/2014/main" val="10000"/>
+                  </a:ext>
+                </a:extLst>
               </a:tr>
               <a:tr h="499745">
                 <a:tc>
@@ -22662,6 +23046,11 @@
                     </a:solidFill>
                   </a:tcPr>
                 </a:tc>
+                <a:extLst>
+                  <a:ext uri="{0D108BD9-81ED-4DB2-BD59-A6C34878D82A}">
+                    <a16:rowId xmlns:a16="http://schemas.microsoft.com/office/drawing/2014/main" val="10001"/>
+                  </a:ext>
+                </a:extLst>
               </a:tr>
               <a:tr h="502920">
                 <a:tc>
@@ -22861,6 +23250,11 @@
                     </a:solidFill>
                   </a:tcPr>
                 </a:tc>
+                <a:extLst>
+                  <a:ext uri="{0D108BD9-81ED-4DB2-BD59-A6C34878D82A}">
+                    <a16:rowId xmlns:a16="http://schemas.microsoft.com/office/drawing/2014/main" val="10002"/>
+                  </a:ext>
+                </a:extLst>
               </a:tr>
               <a:tr h="502920">
                 <a:tc>
@@ -23060,6 +23454,11 @@
                     </a:solidFill>
                   </a:tcPr>
                 </a:tc>
+                <a:extLst>
+                  <a:ext uri="{0D108BD9-81ED-4DB2-BD59-A6C34878D82A}">
+                    <a16:rowId xmlns:a16="http://schemas.microsoft.com/office/drawing/2014/main" val="10003"/>
+                  </a:ext>
+                </a:extLst>
               </a:tr>
               <a:tr h="502920">
                 <a:tc>
@@ -23259,6 +23658,11 @@
                     </a:solidFill>
                   </a:tcPr>
                 </a:tc>
+                <a:extLst>
+                  <a:ext uri="{0D108BD9-81ED-4DB2-BD59-A6C34878D82A}">
+                    <a16:rowId xmlns:a16="http://schemas.microsoft.com/office/drawing/2014/main" val="10004"/>
+                  </a:ext>
+                </a:extLst>
               </a:tr>
             </a:tbl>
           </a:graphicData>
@@ -23420,7 +23824,9 @@
         <p:txBody>
           <a:bodyPr wrap="square" lIns="0" tIns="0" rIns="0" bIns="0" rtlCol="0"/>
           <a:lstStyle/>
-          <a:p/>
+          <a:p>
+            <a:endParaRPr/>
+          </a:p>
         </p:txBody>
       </p:sp>
       <p:sp>
@@ -23436,9 +23842,11 @@
         <p:spPr/>
         <p:txBody>
           <a:bodyPr/>
+          <a:lstStyle/>
           <a:p>
             <a:fld id="{B6F15528-21DE-4FAA-801E-634DDDAF4B2B}" type="slidenum">
               <a:rPr/>
+              <a:t>7</a:t>
             </a:fld>
             <a:endParaRPr/>
           </a:p>
@@ -23513,10 +23921,6 @@
               </a:rPr>
               <a:t>Cursor</a:t>
             </a:r>
-            <a:endParaRPr spc="20" dirty="0">
-              <a:latin typeface="Microsoft Sans Serif" panose="020B0604020202020204"/>
-              <a:cs typeface="Microsoft Sans Serif" panose="020B0604020202020204"/>
-            </a:endParaRPr>
           </a:p>
         </p:txBody>
       </p:sp>
@@ -23530,7 +23934,7 @@
         </p:nvGraphicFramePr>
         <p:xfrm>
           <a:off x="4832350" y="3843020"/>
-          <a:ext cx="12211050" cy="2576829"/>
+          <a:ext cx="12192000" cy="2570480"/>
         </p:xfrm>
         <a:graphic>
           <a:graphicData uri="http://schemas.openxmlformats.org/drawingml/2006/table">
@@ -23539,9 +23943,27 @@
                 <a:tableStyleId>{2D5ABB26-0587-4C30-8999-92F81FD0307C}</a:tableStyleId>
               </a:tblPr>
               <a:tblGrid>
-                <a:gridCol w="4064000"/>
-                <a:gridCol w="4064000"/>
-                <a:gridCol w="4064000"/>
+                <a:gridCol w="4064000">
+                  <a:extLst>
+                    <a:ext uri="{9D8B030D-6E8A-4147-A177-3AD203B41FA5}">
+                      <a16:colId xmlns:a16="http://schemas.microsoft.com/office/drawing/2014/main" val="20000"/>
+                    </a:ext>
+                  </a:extLst>
+                </a:gridCol>
+                <a:gridCol w="4064000">
+                  <a:extLst>
+                    <a:ext uri="{9D8B030D-6E8A-4147-A177-3AD203B41FA5}">
+                      <a16:colId xmlns:a16="http://schemas.microsoft.com/office/drawing/2014/main" val="20001"/>
+                    </a:ext>
+                  </a:extLst>
+                </a:gridCol>
+                <a:gridCol w="4064000">
+                  <a:extLst>
+                    <a:ext uri="{9D8B030D-6E8A-4147-A177-3AD203B41FA5}">
+                      <a16:colId xmlns:a16="http://schemas.microsoft.com/office/drawing/2014/main" val="20002"/>
+                    </a:ext>
+                  </a:extLst>
+                </a:gridCol>
               </a:tblGrid>
               <a:tr h="561975">
                 <a:tc gridSpan="3">
@@ -23603,11 +24025,30 @@
                   </a:tcPr>
                 </a:tc>
                 <a:tc hMerge="1">
+                  <a:txBody>
+                    <a:bodyPr/>
+                    <a:lstStyle/>
+                    <a:p>
+                      <a:endParaRPr lang="en-US"/>
+                    </a:p>
+                  </a:txBody>
                   <a:tcPr marL="0" marR="0" marT="0" marB="0"/>
                 </a:tc>
                 <a:tc hMerge="1">
+                  <a:txBody>
+                    <a:bodyPr/>
+                    <a:lstStyle/>
+                    <a:p>
+                      <a:endParaRPr lang="en-US"/>
+                    </a:p>
+                  </a:txBody>
                   <a:tcPr marL="0" marR="0" marT="0" marB="0"/>
                 </a:tc>
+                <a:extLst>
+                  <a:ext uri="{0D108BD9-81ED-4DB2-BD59-A6C34878D82A}">
+                    <a16:rowId xmlns:a16="http://schemas.microsoft.com/office/drawing/2014/main" val="10000"/>
+                  </a:ext>
+                </a:extLst>
               </a:tr>
               <a:tr h="499745">
                 <a:tc>
@@ -23787,6 +24228,11 @@
                     </a:solidFill>
                   </a:tcPr>
                 </a:tc>
+                <a:extLst>
+                  <a:ext uri="{0D108BD9-81ED-4DB2-BD59-A6C34878D82A}">
+                    <a16:rowId xmlns:a16="http://schemas.microsoft.com/office/drawing/2014/main" val="10001"/>
+                  </a:ext>
+                </a:extLst>
               </a:tr>
               <a:tr h="502920">
                 <a:tc>
@@ -23986,6 +24432,11 @@
                     </a:solidFill>
                   </a:tcPr>
                 </a:tc>
+                <a:extLst>
+                  <a:ext uri="{0D108BD9-81ED-4DB2-BD59-A6C34878D82A}">
+                    <a16:rowId xmlns:a16="http://schemas.microsoft.com/office/drawing/2014/main" val="10002"/>
+                  </a:ext>
+                </a:extLst>
               </a:tr>
               <a:tr h="502920">
                 <a:tc>
@@ -24185,6 +24636,11 @@
                     </a:solidFill>
                   </a:tcPr>
                 </a:tc>
+                <a:extLst>
+                  <a:ext uri="{0D108BD9-81ED-4DB2-BD59-A6C34878D82A}">
+                    <a16:rowId xmlns:a16="http://schemas.microsoft.com/office/drawing/2014/main" val="10003"/>
+                  </a:ext>
+                </a:extLst>
               </a:tr>
               <a:tr h="502920">
                 <a:tc>
@@ -24384,6 +24840,11 @@
                     </a:solidFill>
                   </a:tcPr>
                 </a:tc>
+                <a:extLst>
+                  <a:ext uri="{0D108BD9-81ED-4DB2-BD59-A6C34878D82A}">
+                    <a16:rowId xmlns:a16="http://schemas.microsoft.com/office/drawing/2014/main" val="10004"/>
+                  </a:ext>
+                </a:extLst>
               </a:tr>
             </a:tbl>
           </a:graphicData>
@@ -24557,7 +25018,9 @@
         <p:txBody>
           <a:bodyPr wrap="square" lIns="0" tIns="0" rIns="0" bIns="0" rtlCol="0"/>
           <a:lstStyle/>
-          <a:p/>
+          <a:p>
+            <a:endParaRPr/>
+          </a:p>
         </p:txBody>
       </p:sp>
       <p:sp>
@@ -24573,9 +25036,11 @@
         <p:spPr/>
         <p:txBody>
           <a:bodyPr/>
+          <a:lstStyle/>
           <a:p>
             <a:fld id="{B6F15528-21DE-4FAA-801E-634DDDAF4B2B}" type="slidenum">
               <a:rPr/>
+              <a:t>8</a:t>
             </a:fld>
             <a:endParaRPr/>
           </a:p>
@@ -24650,10 +25115,6 @@
               </a:rPr>
               <a:t>Cursor</a:t>
             </a:r>
-            <a:endParaRPr spc="20" dirty="0">
-              <a:latin typeface="Microsoft Sans Serif" panose="020B0604020202020204"/>
-              <a:cs typeface="Microsoft Sans Serif" panose="020B0604020202020204"/>
-            </a:endParaRPr>
           </a:p>
         </p:txBody>
       </p:sp>
@@ -24667,7 +25128,7 @@
         </p:nvGraphicFramePr>
         <p:xfrm>
           <a:off x="4832350" y="3843020"/>
-          <a:ext cx="12211050" cy="2576829"/>
+          <a:ext cx="12192000" cy="2570480"/>
         </p:xfrm>
         <a:graphic>
           <a:graphicData uri="http://schemas.openxmlformats.org/drawingml/2006/table">
@@ -24676,9 +25137,27 @@
                 <a:tableStyleId>{2D5ABB26-0587-4C30-8999-92F81FD0307C}</a:tableStyleId>
               </a:tblPr>
               <a:tblGrid>
-                <a:gridCol w="4064000"/>
-                <a:gridCol w="4064000"/>
-                <a:gridCol w="4064000"/>
+                <a:gridCol w="4064000">
+                  <a:extLst>
+                    <a:ext uri="{9D8B030D-6E8A-4147-A177-3AD203B41FA5}">
+                      <a16:colId xmlns:a16="http://schemas.microsoft.com/office/drawing/2014/main" val="20000"/>
+                    </a:ext>
+                  </a:extLst>
+                </a:gridCol>
+                <a:gridCol w="4064000">
+                  <a:extLst>
+                    <a:ext uri="{9D8B030D-6E8A-4147-A177-3AD203B41FA5}">
+                      <a16:colId xmlns:a16="http://schemas.microsoft.com/office/drawing/2014/main" val="20001"/>
+                    </a:ext>
+                  </a:extLst>
+                </a:gridCol>
+                <a:gridCol w="4064000">
+                  <a:extLst>
+                    <a:ext uri="{9D8B030D-6E8A-4147-A177-3AD203B41FA5}">
+                      <a16:colId xmlns:a16="http://schemas.microsoft.com/office/drawing/2014/main" val="20002"/>
+                    </a:ext>
+                  </a:extLst>
+                </a:gridCol>
               </a:tblGrid>
               <a:tr h="561975">
                 <a:tc gridSpan="3">
@@ -24740,11 +25219,30 @@
                   </a:tcPr>
                 </a:tc>
                 <a:tc hMerge="1">
+                  <a:txBody>
+                    <a:bodyPr/>
+                    <a:lstStyle/>
+                    <a:p>
+                      <a:endParaRPr lang="en-US"/>
+                    </a:p>
+                  </a:txBody>
                   <a:tcPr marL="0" marR="0" marT="0" marB="0"/>
                 </a:tc>
                 <a:tc hMerge="1">
+                  <a:txBody>
+                    <a:bodyPr/>
+                    <a:lstStyle/>
+                    <a:p>
+                      <a:endParaRPr lang="en-US"/>
+                    </a:p>
+                  </a:txBody>
                   <a:tcPr marL="0" marR="0" marT="0" marB="0"/>
                 </a:tc>
+                <a:extLst>
+                  <a:ext uri="{0D108BD9-81ED-4DB2-BD59-A6C34878D82A}">
+                    <a16:rowId xmlns:a16="http://schemas.microsoft.com/office/drawing/2014/main" val="10000"/>
+                  </a:ext>
+                </a:extLst>
               </a:tr>
               <a:tr h="499745">
                 <a:tc>
@@ -24924,6 +25422,11 @@
                     </a:solidFill>
                   </a:tcPr>
                 </a:tc>
+                <a:extLst>
+                  <a:ext uri="{0D108BD9-81ED-4DB2-BD59-A6C34878D82A}">
+                    <a16:rowId xmlns:a16="http://schemas.microsoft.com/office/drawing/2014/main" val="10001"/>
+                  </a:ext>
+                </a:extLst>
               </a:tr>
               <a:tr h="502920">
                 <a:tc>
@@ -25123,6 +25626,11 @@
                     </a:solidFill>
                   </a:tcPr>
                 </a:tc>
+                <a:extLst>
+                  <a:ext uri="{0D108BD9-81ED-4DB2-BD59-A6C34878D82A}">
+                    <a16:rowId xmlns:a16="http://schemas.microsoft.com/office/drawing/2014/main" val="10002"/>
+                  </a:ext>
+                </a:extLst>
               </a:tr>
               <a:tr h="502920">
                 <a:tc>
@@ -25322,6 +25830,11 @@
                     </a:solidFill>
                   </a:tcPr>
                 </a:tc>
+                <a:extLst>
+                  <a:ext uri="{0D108BD9-81ED-4DB2-BD59-A6C34878D82A}">
+                    <a16:rowId xmlns:a16="http://schemas.microsoft.com/office/drawing/2014/main" val="10003"/>
+                  </a:ext>
+                </a:extLst>
               </a:tr>
               <a:tr h="502920">
                 <a:tc>
@@ -25521,6 +26034,11 @@
                     </a:solidFill>
                   </a:tcPr>
                 </a:tc>
+                <a:extLst>
+                  <a:ext uri="{0D108BD9-81ED-4DB2-BD59-A6C34878D82A}">
+                    <a16:rowId xmlns:a16="http://schemas.microsoft.com/office/drawing/2014/main" val="10004"/>
+                  </a:ext>
+                </a:extLst>
               </a:tr>
             </a:tbl>
           </a:graphicData>
@@ -25694,7 +26212,9 @@
         <p:txBody>
           <a:bodyPr wrap="square" lIns="0" tIns="0" rIns="0" bIns="0" rtlCol="0"/>
           <a:lstStyle/>
-          <a:p/>
+          <a:p>
+            <a:endParaRPr/>
+          </a:p>
         </p:txBody>
       </p:sp>
       <p:sp>
@@ -25710,9 +26230,11 @@
         <p:spPr/>
         <p:txBody>
           <a:bodyPr/>
+          <a:lstStyle/>
           <a:p>
             <a:fld id="{B6F15528-21DE-4FAA-801E-634DDDAF4B2B}" type="slidenum">
               <a:rPr/>
+              <a:t>9</a:t>
             </a:fld>
             <a:endParaRPr/>
           </a:p>
@@ -26004,6 +26526,8 @@
       </a:bgFillStyleLst>
     </a:fmtScheme>
   </a:themeElements>
+  <a:objectDefaults/>
+  <a:extraClrSchemeLst/>
   <a:extLst>
     <a:ext uri="{05A4C25C-085E-4340-85A3-A5531E510DB2}">
       <thm15:themeFamily xmlns:thm15="http://schemas.microsoft.com/office/thememl/2012/main" name="Office Theme" id="{62F939B6-93AF-4DB8-9C6B-D6C7DFDC589F}" vid="{4A3C46E8-61CC-4603-A589-7422A47A8E4A}"/>
@@ -26290,6 +26814,8 @@
       </a:bgFillStyleLst>
     </a:fmtScheme>
   </a:themeElements>
+  <a:objectDefaults/>
+  <a:extraClrSchemeLst/>
   <a:extLst>
     <a:ext uri="{05A4C25C-085E-4340-85A3-A5531E510DB2}">
       <thm15:themeFamily xmlns:thm15="http://schemas.microsoft.com/office/thememl/2012/main" name="Office Theme" id="{62F939B6-93AF-4DB8-9C6B-D6C7DFDC589F}" vid="{4A3C46E8-61CC-4603-A589-7422A47A8E4A}"/>
@@ -26549,6 +27075,8 @@
       </a:bgFillStyleLst>
     </a:fmtScheme>
   </a:themeElements>
+  <a:objectDefaults/>
+  <a:extraClrSchemeLst/>
   <a:extLst>
     <a:ext uri="{05A4C25C-085E-4340-85A3-A5531E510DB2}">
       <thm15:themeFamily xmlns:thm15="http://schemas.microsoft.com/office/thememl/2012/main" name="Office Theme" id="{62F939B6-93AF-4DB8-9C6B-D6C7DFDC589F}" vid="{4A3C46E8-61CC-4603-A589-7422A47A8E4A}"/>
